--- a/하계특훈 발표/4. 중간발표 PPT_2014180011_김영범.pptx
+++ b/하계특훈 발표/4. 중간발표 PPT_2014180011_김영범.pptx
@@ -119,7 +119,7 @@
   </p:defaultTextStyle>
   <p:extLst>
     <p:ext uri="{EFAFB233-063F-42B5-8137-9DF3F51BA10A}">
-      <p15:sldGuideLst xmlns:p15="http://schemas.microsoft.com/office/powerpoint/2012/main">
+      <p15:sldGuideLst xmlns:p15="http://schemas.microsoft.com/office/powerpoint/2012/main" xmlns="">
         <p15:guide id="1" orient="horz" pos="2160">
           <p15:clr>
             <a:srgbClr val="A4A3A4"/>
@@ -133,7 +133,7 @@
       </p15:sldGuideLst>
     </p:ext>
     <p:ext uri="{2D200454-40CA-4A62-9FC3-DE9A4176ACB9}">
-      <p15:notesGuideLst xmlns:p15="http://schemas.microsoft.com/office/powerpoint/2012/main"/>
+      <p15:notesGuideLst xmlns:p15="http://schemas.microsoft.com/office/powerpoint/2012/main" xmlns=""/>
     </p:ext>
   </p:extLst>
 </p:presentation>
@@ -144,7 +144,7 @@
   <p:cmAuthor id="1" name="Kim YoungBum" initials="KY" lastIdx="1" clrIdx="0">
     <p:extLst>
       <p:ext uri="{19B8F6BF-5375-455C-9EA6-DF929625EA0E}">
-        <p15:presenceInfo xmlns:p15="http://schemas.microsoft.com/office/powerpoint/2012/main" userId="58bde64b80528bfe" providerId="Windows Live"/>
+        <p15:presenceInfo xmlns:p15="http://schemas.microsoft.com/office/powerpoint/2012/main" xmlns="" userId="58bde64b80528bfe" providerId="Windows Live"/>
       </p:ext>
     </p:extLst>
   </p:cmAuthor>
@@ -233,7 +233,7 @@
           <a:p>
             <a:fld id="{413548A9-17B7-486F-BAE8-5C551821AB5E}" type="datetimeFigureOut">
               <a:rPr lang="ko-KR" altLang="en-US" smtClean="0"/>
-              <a:t>2020-04-29</a:t>
+              <a:t>2020-08-07</a:t>
             </a:fld>
             <a:endParaRPr lang="ko-KR" altLang="en-US"/>
           </a:p>
@@ -638,7 +638,7 @@
                   </a:prstClr>
                 </a:solidFill>
               </a:rPr>
-              <a:t>2020-04-29</a:t>
+              <a:t>2020-08-07</a:t>
             </a:fld>
             <a:endParaRPr lang="ko-KR" altLang="en-US">
               <a:solidFill>
@@ -803,7 +803,7 @@
                   </a:prstClr>
                 </a:solidFill>
               </a:rPr>
-              <a:t>2020-04-29</a:t>
+              <a:t>2020-08-07</a:t>
             </a:fld>
             <a:endParaRPr lang="ko-KR" altLang="en-US">
               <a:solidFill>
@@ -978,7 +978,7 @@
                   </a:prstClr>
                 </a:solidFill>
               </a:rPr>
-              <a:t>2020-04-29</a:t>
+              <a:t>2020-08-07</a:t>
             </a:fld>
             <a:endParaRPr lang="ko-KR" altLang="en-US">
               <a:solidFill>
@@ -1143,7 +1143,7 @@
                   </a:prstClr>
                 </a:solidFill>
               </a:rPr>
-              <a:t>2020-04-29</a:t>
+              <a:t>2020-08-07</a:t>
             </a:fld>
             <a:endParaRPr lang="ko-KR" altLang="en-US">
               <a:solidFill>
@@ -1384,7 +1384,7 @@
                   </a:prstClr>
                 </a:solidFill>
               </a:rPr>
-              <a:t>2020-04-29</a:t>
+              <a:t>2020-08-07</a:t>
             </a:fld>
             <a:endParaRPr lang="ko-KR" altLang="en-US">
               <a:solidFill>
@@ -1611,7 +1611,7 @@
                   </a:prstClr>
                 </a:solidFill>
               </a:rPr>
-              <a:t>2020-04-29</a:t>
+              <a:t>2020-08-07</a:t>
             </a:fld>
             <a:endParaRPr lang="ko-KR" altLang="en-US">
               <a:solidFill>
@@ -1973,7 +1973,7 @@
                   </a:prstClr>
                 </a:solidFill>
               </a:rPr>
-              <a:t>2020-04-29</a:t>
+              <a:t>2020-08-07</a:t>
             </a:fld>
             <a:endParaRPr lang="ko-KR" altLang="en-US">
               <a:solidFill>
@@ -2086,7 +2086,7 @@
                   </a:prstClr>
                 </a:solidFill>
               </a:rPr>
-              <a:t>2020-04-29</a:t>
+              <a:t>2020-08-07</a:t>
             </a:fld>
             <a:endParaRPr lang="ko-KR" altLang="en-US">
               <a:solidFill>
@@ -2176,7 +2176,7 @@
                   </a:prstClr>
                 </a:solidFill>
               </a:rPr>
-              <a:t>2020-04-29</a:t>
+              <a:t>2020-08-07</a:t>
             </a:fld>
             <a:endParaRPr lang="ko-KR" altLang="en-US">
               <a:solidFill>
@@ -2448,7 +2448,7 @@
                   </a:prstClr>
                 </a:solidFill>
               </a:rPr>
-              <a:t>2020-04-29</a:t>
+              <a:t>2020-08-07</a:t>
             </a:fld>
             <a:endParaRPr lang="ko-KR" altLang="en-US">
               <a:solidFill>
@@ -2696,7 +2696,7 @@
                   </a:prstClr>
                 </a:solidFill>
               </a:rPr>
-              <a:t>2020-04-29</a:t>
+              <a:t>2020-08-07</a:t>
             </a:fld>
             <a:endParaRPr lang="ko-KR" altLang="en-US">
               <a:solidFill>
@@ -2904,7 +2904,7 @@
                   </a:prstClr>
                 </a:solidFill>
               </a:rPr>
-              <a:t>2020-04-29</a:t>
+              <a:t>2020-08-07</a:t>
             </a:fld>
             <a:endParaRPr lang="ko-KR" altLang="en-US">
               <a:solidFill>
@@ -3690,7 +3690,7 @@
           <p:cNvPr id="6" name="직사각형 5">
             <a:extLst>
               <a:ext uri="{FF2B5EF4-FFF2-40B4-BE49-F238E27FC236}">
-                <a16:creationId xmlns:a16="http://schemas.microsoft.com/office/drawing/2014/main" id="{3FA00699-5178-465A-9F3F-130CF1431F70}"/>
+                <a16:creationId xmlns:a16="http://schemas.microsoft.com/office/drawing/2014/main" xmlns="" id="{3FA00699-5178-465A-9F3F-130CF1431F70}"/>
               </a:ext>
             </a:extLst>
           </p:cNvPr>
@@ -3806,7 +3806,7 @@
           <p:cNvPr id="7" name="직사각형 6">
             <a:extLst>
               <a:ext uri="{FF2B5EF4-FFF2-40B4-BE49-F238E27FC236}">
-                <a16:creationId xmlns:a16="http://schemas.microsoft.com/office/drawing/2014/main" id="{3FA00699-5178-465A-9F3F-130CF1431F70}"/>
+                <a16:creationId xmlns:a16="http://schemas.microsoft.com/office/drawing/2014/main" xmlns="" id="{3FA00699-5178-465A-9F3F-130CF1431F70}"/>
               </a:ext>
             </a:extLst>
           </p:cNvPr>
@@ -3953,7 +3953,7 @@
           <p:cNvPr id="18" name="직사각형 17">
             <a:extLst>
               <a:ext uri="{FF2B5EF4-FFF2-40B4-BE49-F238E27FC236}">
-                <a16:creationId xmlns:a16="http://schemas.microsoft.com/office/drawing/2014/main" id="{3FA00699-5178-465A-9F3F-130CF1431F70}"/>
+                <a16:creationId xmlns:a16="http://schemas.microsoft.com/office/drawing/2014/main" xmlns="" id="{3FA00699-5178-465A-9F3F-130CF1431F70}"/>
               </a:ext>
             </a:extLst>
           </p:cNvPr>
@@ -4005,7 +4005,7 @@
           <p:cNvPr id="22" name="직사각형 21">
             <a:extLst>
               <a:ext uri="{FF2B5EF4-FFF2-40B4-BE49-F238E27FC236}">
-                <a16:creationId xmlns:a16="http://schemas.microsoft.com/office/drawing/2014/main" id="{3FA00699-5178-465A-9F3F-130CF1431F70}"/>
+                <a16:creationId xmlns:a16="http://schemas.microsoft.com/office/drawing/2014/main" xmlns="" id="{3FA00699-5178-465A-9F3F-130CF1431F70}"/>
               </a:ext>
             </a:extLst>
           </p:cNvPr>
@@ -4468,7 +4468,7 @@
           <p:cNvPr id="20" name="직사각형 19">
             <a:extLst>
               <a:ext uri="{FF2B5EF4-FFF2-40B4-BE49-F238E27FC236}">
-                <a16:creationId xmlns:a16="http://schemas.microsoft.com/office/drawing/2014/main" id="{3FA00699-5178-465A-9F3F-130CF1431F70}"/>
+                <a16:creationId xmlns:a16="http://schemas.microsoft.com/office/drawing/2014/main" xmlns="" id="{3FA00699-5178-465A-9F3F-130CF1431F70}"/>
               </a:ext>
             </a:extLst>
           </p:cNvPr>
@@ -4896,7 +4896,7 @@
           <p:cNvPr id="18" name="직사각형 17">
             <a:extLst>
               <a:ext uri="{FF2B5EF4-FFF2-40B4-BE49-F238E27FC236}">
-                <a16:creationId xmlns:a16="http://schemas.microsoft.com/office/drawing/2014/main" id="{3FA00699-5178-465A-9F3F-130CF1431F70}"/>
+                <a16:creationId xmlns:a16="http://schemas.microsoft.com/office/drawing/2014/main" xmlns="" id="{3FA00699-5178-465A-9F3F-130CF1431F70}"/>
               </a:ext>
             </a:extLst>
           </p:cNvPr>
@@ -4971,63 +4971,63 @@
                 <a:gridCol w="2798089">
                   <a:extLst>
                     <a:ext uri="{9D8B030D-6E8A-4147-A177-3AD203B41FA5}">
-                      <a16:colId xmlns:a16="http://schemas.microsoft.com/office/drawing/2014/main" val="2450948584"/>
+                      <a16:colId xmlns:a16="http://schemas.microsoft.com/office/drawing/2014/main" xmlns="" val="2450948584"/>
                     </a:ext>
                   </a:extLst>
                 </a:gridCol>
                 <a:gridCol w="1000099">
                   <a:extLst>
                     <a:ext uri="{9D8B030D-6E8A-4147-A177-3AD203B41FA5}">
-                      <a16:colId xmlns:a16="http://schemas.microsoft.com/office/drawing/2014/main" val="85828181"/>
+                      <a16:colId xmlns:a16="http://schemas.microsoft.com/office/drawing/2014/main" xmlns="" val="85828181"/>
                     </a:ext>
                   </a:extLst>
                 </a:gridCol>
                 <a:gridCol w="1000099">
                   <a:extLst>
                     <a:ext uri="{9D8B030D-6E8A-4147-A177-3AD203B41FA5}">
-                      <a16:colId xmlns:a16="http://schemas.microsoft.com/office/drawing/2014/main" val="177000723"/>
+                      <a16:colId xmlns:a16="http://schemas.microsoft.com/office/drawing/2014/main" xmlns="" val="177000723"/>
                     </a:ext>
                   </a:extLst>
                 </a:gridCol>
                 <a:gridCol w="1000099">
                   <a:extLst>
                     <a:ext uri="{9D8B030D-6E8A-4147-A177-3AD203B41FA5}">
-                      <a16:colId xmlns:a16="http://schemas.microsoft.com/office/drawing/2014/main" val="3886845468"/>
+                      <a16:colId xmlns:a16="http://schemas.microsoft.com/office/drawing/2014/main" xmlns="" val="3886845468"/>
                     </a:ext>
                   </a:extLst>
                 </a:gridCol>
                 <a:gridCol w="1000099">
                   <a:extLst>
                     <a:ext uri="{9D8B030D-6E8A-4147-A177-3AD203B41FA5}">
-                      <a16:colId xmlns:a16="http://schemas.microsoft.com/office/drawing/2014/main" val="2680087883"/>
+                      <a16:colId xmlns:a16="http://schemas.microsoft.com/office/drawing/2014/main" xmlns="" val="2680087883"/>
                     </a:ext>
                   </a:extLst>
                 </a:gridCol>
                 <a:gridCol w="1000099">
                   <a:extLst>
                     <a:ext uri="{9D8B030D-6E8A-4147-A177-3AD203B41FA5}">
-                      <a16:colId xmlns:a16="http://schemas.microsoft.com/office/drawing/2014/main" val="1524961471"/>
+                      <a16:colId xmlns:a16="http://schemas.microsoft.com/office/drawing/2014/main" xmlns="" val="1524961471"/>
                     </a:ext>
                   </a:extLst>
                 </a:gridCol>
                 <a:gridCol w="1000099">
                   <a:extLst>
                     <a:ext uri="{9D8B030D-6E8A-4147-A177-3AD203B41FA5}">
-                      <a16:colId xmlns:a16="http://schemas.microsoft.com/office/drawing/2014/main" val="518112645"/>
+                      <a16:colId xmlns:a16="http://schemas.microsoft.com/office/drawing/2014/main" xmlns="" val="518112645"/>
                     </a:ext>
                   </a:extLst>
                 </a:gridCol>
                 <a:gridCol w="1000099">
                   <a:extLst>
                     <a:ext uri="{9D8B030D-6E8A-4147-A177-3AD203B41FA5}">
-                      <a16:colId xmlns:a16="http://schemas.microsoft.com/office/drawing/2014/main" val="3403597045"/>
+                      <a16:colId xmlns:a16="http://schemas.microsoft.com/office/drawing/2014/main" xmlns="" val="3403597045"/>
                     </a:ext>
                   </a:extLst>
                 </a:gridCol>
                 <a:gridCol w="1001220">
                   <a:extLst>
                     <a:ext uri="{9D8B030D-6E8A-4147-A177-3AD203B41FA5}">
-                      <a16:colId xmlns:a16="http://schemas.microsoft.com/office/drawing/2014/main" val="73111119"/>
+                      <a16:colId xmlns:a16="http://schemas.microsoft.com/office/drawing/2014/main" xmlns="" val="73111119"/>
                     </a:ext>
                   </a:extLst>
                 </a:gridCol>
@@ -5398,7 +5398,7 @@
                 </a:tc>
                 <a:extLst>
                   <a:ext uri="{0D108BD9-81ED-4DB2-BD59-A6C34878D82A}">
-                    <a16:rowId xmlns:a16="http://schemas.microsoft.com/office/drawing/2014/main" val="1346801349"/>
+                    <a16:rowId xmlns:a16="http://schemas.microsoft.com/office/drawing/2014/main" xmlns="" val="1346801349"/>
                   </a:ext>
                 </a:extLst>
               </a:tr>
@@ -5759,7 +5759,7 @@
                 </a:tc>
                 <a:extLst>
                   <a:ext uri="{0D108BD9-81ED-4DB2-BD59-A6C34878D82A}">
-                    <a16:rowId xmlns:a16="http://schemas.microsoft.com/office/drawing/2014/main" val="1881612485"/>
+                    <a16:rowId xmlns:a16="http://schemas.microsoft.com/office/drawing/2014/main" xmlns="" val="1881612485"/>
                   </a:ext>
                 </a:extLst>
               </a:tr>
@@ -6069,7 +6069,7 @@
                 </a:tc>
                 <a:extLst>
                   <a:ext uri="{0D108BD9-81ED-4DB2-BD59-A6C34878D82A}">
-                    <a16:rowId xmlns:a16="http://schemas.microsoft.com/office/drawing/2014/main" val="2339715152"/>
+                    <a16:rowId xmlns:a16="http://schemas.microsoft.com/office/drawing/2014/main" xmlns="" val="2339715152"/>
                   </a:ext>
                 </a:extLst>
               </a:tr>
@@ -6391,7 +6391,7 @@
                 </a:tc>
                 <a:extLst>
                   <a:ext uri="{0D108BD9-81ED-4DB2-BD59-A6C34878D82A}">
-                    <a16:rowId xmlns:a16="http://schemas.microsoft.com/office/drawing/2014/main" val="1158372733"/>
+                    <a16:rowId xmlns:a16="http://schemas.microsoft.com/office/drawing/2014/main" xmlns="" val="1158372733"/>
                   </a:ext>
                 </a:extLst>
               </a:tr>
@@ -6707,7 +6707,7 @@
                 </a:tc>
                 <a:extLst>
                   <a:ext uri="{0D108BD9-81ED-4DB2-BD59-A6C34878D82A}">
-                    <a16:rowId xmlns:a16="http://schemas.microsoft.com/office/drawing/2014/main" val="3858662508"/>
+                    <a16:rowId xmlns:a16="http://schemas.microsoft.com/office/drawing/2014/main" xmlns="" val="3858662508"/>
                   </a:ext>
                 </a:extLst>
               </a:tr>
@@ -7015,7 +7015,7 @@
                 </a:tc>
                 <a:extLst>
                   <a:ext uri="{0D108BD9-81ED-4DB2-BD59-A6C34878D82A}">
-                    <a16:rowId xmlns:a16="http://schemas.microsoft.com/office/drawing/2014/main" val="3002596765"/>
+                    <a16:rowId xmlns:a16="http://schemas.microsoft.com/office/drawing/2014/main" xmlns="" val="3002596765"/>
                   </a:ext>
                 </a:extLst>
               </a:tr>
@@ -7838,7 +7838,7 @@
           <p:cNvPr id="33" name="직사각형 32">
             <a:extLst>
               <a:ext uri="{FF2B5EF4-FFF2-40B4-BE49-F238E27FC236}">
-                <a16:creationId xmlns:a16="http://schemas.microsoft.com/office/drawing/2014/main" id="{3FA00699-5178-465A-9F3F-130CF1431F70}"/>
+                <a16:creationId xmlns:a16="http://schemas.microsoft.com/office/drawing/2014/main" xmlns="" id="{3FA00699-5178-465A-9F3F-130CF1431F70}"/>
               </a:ext>
             </a:extLst>
           </p:cNvPr>
@@ -8126,7 +8126,7 @@
           <p:cNvPr id="20" name="직사각형 19">
             <a:extLst>
               <a:ext uri="{FF2B5EF4-FFF2-40B4-BE49-F238E27FC236}">
-                <a16:creationId xmlns:a16="http://schemas.microsoft.com/office/drawing/2014/main" id="{3FA00699-5178-465A-9F3F-130CF1431F70}"/>
+                <a16:creationId xmlns:a16="http://schemas.microsoft.com/office/drawing/2014/main" xmlns="" id="{3FA00699-5178-465A-9F3F-130CF1431F70}"/>
               </a:ext>
             </a:extLst>
           </p:cNvPr>
@@ -8289,7 +8289,7 @@
           <p:cNvPr id="10" name="직사각형 9">
             <a:extLst>
               <a:ext uri="{FF2B5EF4-FFF2-40B4-BE49-F238E27FC236}">
-                <a16:creationId xmlns:a16="http://schemas.microsoft.com/office/drawing/2014/main" id="{3FA00699-5178-465A-9F3F-130CF1431F70}"/>
+                <a16:creationId xmlns:a16="http://schemas.microsoft.com/office/drawing/2014/main" xmlns="" id="{3FA00699-5178-465A-9F3F-130CF1431F70}"/>
               </a:ext>
             </a:extLst>
           </p:cNvPr>
@@ -8318,11 +8318,7 @@
             </a:pPr>
             <a:r>
               <a:rPr lang="ko-KR" altLang="en-US" sz="1600" dirty="0" smtClean="0"/>
-              <a:t>본 </a:t>
-            </a:r>
-            <a:r>
-              <a:rPr lang="ko-KR" altLang="en-US" sz="1600" dirty="0" smtClean="0"/>
-              <a:t>연구의 목적은 게임과 방송 영상을 분석해 분위기를 고조시키고 재미를 유발하는 게임 디자인 요소들을 밝히고</a:t>
+              <a:t>본 연구의 목적은 게임과 방송 영상을 분석해 분위기를 고조시키고 재미를 유발하는 게임 디자인 요소들을 밝히고</a:t>
             </a:r>
             <a:endParaRPr lang="en-US" altLang="ko-KR" sz="1600" dirty="0" smtClean="0"/>
           </a:p>
@@ -8357,7 +8353,7 @@
           <p:cNvPr id="12" name="직사각형 11">
             <a:extLst>
               <a:ext uri="{FF2B5EF4-FFF2-40B4-BE49-F238E27FC236}">
-                <a16:creationId xmlns:a16="http://schemas.microsoft.com/office/drawing/2014/main" id="{3FA00699-5178-465A-9F3F-130CF1431F70}"/>
+                <a16:creationId xmlns:a16="http://schemas.microsoft.com/office/drawing/2014/main" xmlns="" id="{3FA00699-5178-465A-9F3F-130CF1431F70}"/>
               </a:ext>
             </a:extLst>
           </p:cNvPr>
@@ -8453,43 +8449,7 @@
             </a:r>
             <a:r>
               <a:rPr lang="ko-KR" altLang="en-US" sz="1600" dirty="0" smtClean="0"/>
-              <a:t>따라서 </a:t>
-            </a:r>
-            <a:r>
-              <a:rPr lang="ko-KR" altLang="en-US" sz="1600" dirty="0" smtClean="0"/>
-              <a:t>본 연구는 방송에서 </a:t>
-            </a:r>
-            <a:r>
-              <a:rPr lang="ko-KR" altLang="en-US" sz="1600" dirty="0" smtClean="0"/>
-              <a:t>시청자의 </a:t>
-            </a:r>
-            <a:r>
-              <a:rPr lang="ko-KR" altLang="en-US" sz="1600" dirty="0" smtClean="0"/>
-              <a:t>흥미를 유발하는 게임 </a:t>
-            </a:r>
-            <a:r>
-              <a:rPr lang="ko-KR" altLang="en-US" sz="1600" dirty="0" smtClean="0"/>
-              <a:t>디자인적 </a:t>
-            </a:r>
-            <a:r>
-              <a:rPr lang="ko-KR" altLang="en-US" sz="1600" dirty="0" smtClean="0"/>
-              <a:t>요소를 </a:t>
-            </a:r>
-            <a:r>
-              <a:rPr lang="ko-KR" altLang="en-US" sz="1600" dirty="0" smtClean="0"/>
-              <a:t>분석하고 이를 구조화해 차후 게임 </a:t>
-            </a:r>
-            <a:r>
-              <a:rPr lang="ko-KR" altLang="en-US" sz="1600" dirty="0" smtClean="0"/>
-              <a:t>개발 </a:t>
-            </a:r>
-            <a:r>
-              <a:rPr lang="ko-KR" altLang="en-US" sz="1600" dirty="0" smtClean="0"/>
-              <a:t>단계에서 활용할 수 있는 기획 모델을 </a:t>
-            </a:r>
-            <a:r>
-              <a:rPr lang="ko-KR" altLang="en-US" sz="1600" dirty="0" smtClean="0"/>
-              <a:t>설계</a:t>
+              <a:t>따라서 본 연구는 방송에서 시청자의 흥미를 유발하는 게임 디자인적 요소를 분석하고 이를 구조화해 차후 게임 개발 단계에서 활용할 수 있는 기획 모델을 설계</a:t>
             </a:r>
             <a:r>
               <a:rPr lang="en-US" altLang="ko-KR" sz="1600" dirty="0" smtClean="0"/>
@@ -8497,17 +8457,12 @@
             </a:r>
             <a:r>
               <a:rPr lang="ko-KR" altLang="en-US" sz="1600" dirty="0" smtClean="0"/>
-              <a:t>제안하고자 </a:t>
-            </a:r>
-            <a:r>
-              <a:rPr lang="ko-KR" altLang="en-US" sz="1600" dirty="0" smtClean="0"/>
-              <a:t>한다</a:t>
+              <a:t>제안하고자 한다</a:t>
             </a:r>
             <a:r>
               <a:rPr lang="en-US" altLang="ko-KR" sz="1600" dirty="0" smtClean="0"/>
               <a:t>. </a:t>
             </a:r>
-            <a:endParaRPr lang="en-US" altLang="ko-KR" sz="1600" dirty="0" smtClean="0"/>
           </a:p>
           <a:p>
             <a:pPr>
@@ -8517,11 +8472,7 @@
             </a:pPr>
             <a:r>
               <a:rPr lang="ko-KR" altLang="en-US" sz="1600" dirty="0" smtClean="0"/>
-              <a:t>이를 </a:t>
-            </a:r>
-            <a:r>
-              <a:rPr lang="ko-KR" altLang="en-US" sz="1600" dirty="0" smtClean="0"/>
-              <a:t>위해 방송 </a:t>
+              <a:t>이를 위해 방송 </a:t>
             </a:r>
             <a:r>
               <a:rPr lang="ko-KR" altLang="en-US" sz="1600" dirty="0"/>
@@ -8553,11 +8504,7 @@
             </a:r>
             <a:r>
               <a:rPr lang="ko-KR" altLang="en-US" sz="1600" dirty="0" smtClean="0"/>
-              <a:t>채팅 반응을 기반으로 </a:t>
-            </a:r>
-            <a:r>
-              <a:rPr lang="ko-KR" altLang="en-US" sz="1600" dirty="0" smtClean="0"/>
-              <a:t>게임의 시간적</a:t>
+              <a:t>채팅 반응을 기반으로 게임의 시간적</a:t>
             </a:r>
             <a:r>
               <a:rPr lang="en-US" altLang="ko-KR" sz="1600" dirty="0"/>
@@ -8585,11 +8532,7 @@
             </a:r>
             <a:r>
               <a:rPr lang="ko-KR" altLang="en-US" sz="1600" dirty="0" smtClean="0"/>
-              <a:t>요소를 </a:t>
-            </a:r>
-            <a:r>
-              <a:rPr lang="ko-KR" altLang="en-US" sz="1600" dirty="0" smtClean="0"/>
-              <a:t>분석해보았다</a:t>
+              <a:t>요소를 분석해보았다</a:t>
             </a:r>
             <a:r>
               <a:rPr lang="en-US" altLang="ko-KR" sz="1600" dirty="0" smtClean="0"/>
@@ -8617,11 +8560,7 @@
             </a:r>
             <a:r>
               <a:rPr lang="ko-KR" altLang="en-US" sz="1600" dirty="0" smtClean="0"/>
-              <a:t>개의</a:t>
-            </a:r>
-            <a:r>
-              <a:rPr lang="ko-KR" altLang="en-US" sz="1600" dirty="0" smtClean="0"/>
-              <a:t> 흥미 유발 모멘트를 도출해낼 수 있었다</a:t>
+              <a:t>개의 흥미 유발 모멘트를 도출해낼 수 있었다</a:t>
             </a:r>
             <a:r>
               <a:rPr lang="en-US" altLang="ko-KR" sz="1600" dirty="0" smtClean="0"/>
@@ -8629,11 +8568,7 @@
             </a:r>
             <a:r>
               <a:rPr lang="ko-KR" altLang="en-US" sz="1600" dirty="0" smtClean="0"/>
-              <a:t>또한 방송의 진행이 </a:t>
-            </a:r>
-            <a:r>
-              <a:rPr lang="ko-KR" altLang="en-US" sz="1600" dirty="0" smtClean="0"/>
-              <a:t>전통적 </a:t>
+              <a:t>또한 방송의 진행이 전통적 </a:t>
             </a:r>
             <a:r>
               <a:rPr lang="ko-KR" altLang="en-US" sz="1600" dirty="0" err="1" smtClean="0"/>
@@ -8655,7 +8590,6 @@
               <a:rPr lang="en-US" altLang="ko-KR" sz="1600" dirty="0" smtClean="0"/>
               <a:t>.</a:t>
             </a:r>
-            <a:endParaRPr lang="en-US" altLang="ko-KR" sz="1600" dirty="0" smtClean="0"/>
           </a:p>
           <a:p>
             <a:pPr algn="ctr">
@@ -8802,7 +8736,7 @@
           <p:cNvPr id="20" name="직사각형 19">
             <a:extLst>
               <a:ext uri="{FF2B5EF4-FFF2-40B4-BE49-F238E27FC236}">
-                <a16:creationId xmlns:a16="http://schemas.microsoft.com/office/drawing/2014/main" id="{3FA00699-5178-465A-9F3F-130CF1431F70}"/>
+                <a16:creationId xmlns:a16="http://schemas.microsoft.com/office/drawing/2014/main" xmlns="" id="{3FA00699-5178-465A-9F3F-130CF1431F70}"/>
               </a:ext>
             </a:extLst>
           </p:cNvPr>
@@ -9274,7 +9208,7 @@
           <p:cNvPr id="32" name="직사각형 31">
             <a:extLst>
               <a:ext uri="{FF2B5EF4-FFF2-40B4-BE49-F238E27FC236}">
-                <a16:creationId xmlns:a16="http://schemas.microsoft.com/office/drawing/2014/main" id="{3FA00699-5178-465A-9F3F-130CF1431F70}"/>
+                <a16:creationId xmlns:a16="http://schemas.microsoft.com/office/drawing/2014/main" xmlns="" id="{3FA00699-5178-465A-9F3F-130CF1431F70}"/>
               </a:ext>
             </a:extLst>
           </p:cNvPr>
@@ -9469,7 +9403,7 @@
           <p:cNvPr id="20" name="직사각형 19">
             <a:extLst>
               <a:ext uri="{FF2B5EF4-FFF2-40B4-BE49-F238E27FC236}">
-                <a16:creationId xmlns:a16="http://schemas.microsoft.com/office/drawing/2014/main" id="{3FA00699-5178-465A-9F3F-130CF1431F70}"/>
+                <a16:creationId xmlns:a16="http://schemas.microsoft.com/office/drawing/2014/main" xmlns="" id="{3FA00699-5178-465A-9F3F-130CF1431F70}"/>
               </a:ext>
             </a:extLst>
           </p:cNvPr>
@@ -9632,7 +9566,7 @@
           <p:cNvPr id="32" name="직사각형 31">
             <a:extLst>
               <a:ext uri="{FF2B5EF4-FFF2-40B4-BE49-F238E27FC236}">
-                <a16:creationId xmlns:a16="http://schemas.microsoft.com/office/drawing/2014/main" id="{3FA00699-5178-465A-9F3F-130CF1431F70}"/>
+                <a16:creationId xmlns:a16="http://schemas.microsoft.com/office/drawing/2014/main" xmlns="" id="{3FA00699-5178-465A-9F3F-130CF1431F70}"/>
               </a:ext>
             </a:extLst>
           </p:cNvPr>
@@ -9973,7 +9907,7 @@
           <p:cNvPr id="20" name="직사각형 19">
             <a:extLst>
               <a:ext uri="{FF2B5EF4-FFF2-40B4-BE49-F238E27FC236}">
-                <a16:creationId xmlns:a16="http://schemas.microsoft.com/office/drawing/2014/main" id="{3FA00699-5178-465A-9F3F-130CF1431F70}"/>
+                <a16:creationId xmlns:a16="http://schemas.microsoft.com/office/drawing/2014/main" xmlns="" id="{3FA00699-5178-465A-9F3F-130CF1431F70}"/>
               </a:ext>
             </a:extLst>
           </p:cNvPr>
@@ -10136,7 +10070,7 @@
           <p:cNvPr id="32" name="직사각형 31">
             <a:extLst>
               <a:ext uri="{FF2B5EF4-FFF2-40B4-BE49-F238E27FC236}">
-                <a16:creationId xmlns:a16="http://schemas.microsoft.com/office/drawing/2014/main" id="{3FA00699-5178-465A-9F3F-130CF1431F70}"/>
+                <a16:creationId xmlns:a16="http://schemas.microsoft.com/office/drawing/2014/main" xmlns="" id="{3FA00699-5178-465A-9F3F-130CF1431F70}"/>
               </a:ext>
             </a:extLst>
           </p:cNvPr>
@@ -10407,7 +10341,7 @@
           <p:cNvPr id="20" name="직사각형 19">
             <a:extLst>
               <a:ext uri="{FF2B5EF4-FFF2-40B4-BE49-F238E27FC236}">
-                <a16:creationId xmlns:a16="http://schemas.microsoft.com/office/drawing/2014/main" id="{3FA00699-5178-465A-9F3F-130CF1431F70}"/>
+                <a16:creationId xmlns:a16="http://schemas.microsoft.com/office/drawing/2014/main" xmlns="" id="{3FA00699-5178-465A-9F3F-130CF1431F70}"/>
               </a:ext>
             </a:extLst>
           </p:cNvPr>
@@ -10570,7 +10504,7 @@
           <p:cNvPr id="32" name="직사각형 31">
             <a:extLst>
               <a:ext uri="{FF2B5EF4-FFF2-40B4-BE49-F238E27FC236}">
-                <a16:creationId xmlns:a16="http://schemas.microsoft.com/office/drawing/2014/main" id="{3FA00699-5178-465A-9F3F-130CF1431F70}"/>
+                <a16:creationId xmlns:a16="http://schemas.microsoft.com/office/drawing/2014/main" xmlns="" id="{3FA00699-5178-465A-9F3F-130CF1431F70}"/>
               </a:ext>
             </a:extLst>
           </p:cNvPr>
@@ -10599,11 +10533,7 @@
             </a:pPr>
             <a:r>
               <a:rPr lang="ko-KR" altLang="en-US" sz="2000" b="1" i="1" dirty="0" smtClean="0"/>
-              <a:t>데이터</a:t>
-            </a:r>
-            <a:r>
-              <a:rPr lang="ko-KR" altLang="en-US" sz="2000" b="1" i="1" dirty="0" smtClean="0"/>
-              <a:t> 가공</a:t>
+              <a:t>데이터 가공</a:t>
             </a:r>
             <a:endParaRPr lang="en-US" altLang="ko-KR" sz="2000" b="1" i="1" dirty="0"/>
           </a:p>
@@ -10845,7 +10775,7 @@
           <p:cNvPr id="20" name="직사각형 19">
             <a:extLst>
               <a:ext uri="{FF2B5EF4-FFF2-40B4-BE49-F238E27FC236}">
-                <a16:creationId xmlns:a16="http://schemas.microsoft.com/office/drawing/2014/main" id="{3FA00699-5178-465A-9F3F-130CF1431F70}"/>
+                <a16:creationId xmlns:a16="http://schemas.microsoft.com/office/drawing/2014/main" xmlns="" id="{3FA00699-5178-465A-9F3F-130CF1431F70}"/>
               </a:ext>
             </a:extLst>
           </p:cNvPr>
@@ -11477,7 +11407,7 @@
           <p:cNvPr id="28" name="직사각형 27">
             <a:extLst>
               <a:ext uri="{FF2B5EF4-FFF2-40B4-BE49-F238E27FC236}">
-                <a16:creationId xmlns:a16="http://schemas.microsoft.com/office/drawing/2014/main" id="{3FA00699-5178-465A-9F3F-130CF1431F70}"/>
+                <a16:creationId xmlns:a16="http://schemas.microsoft.com/office/drawing/2014/main" xmlns="" id="{3FA00699-5178-465A-9F3F-130CF1431F70}"/>
               </a:ext>
             </a:extLst>
           </p:cNvPr>
@@ -11550,11 +11480,7 @@
             </a:r>
             <a:r>
               <a:rPr lang="en-US" altLang="ko-KR" sz="1400" dirty="0" smtClean="0"/>
-              <a:t>: </a:t>
-            </a:r>
-            <a:r>
-              <a:rPr lang="en-US" altLang="ko-KR" sz="1400" dirty="0" smtClean="0"/>
-              <a:t>Low Performance, Low Entertainment</a:t>
+              <a:t>: Low Performance, Low Entertainment</a:t>
             </a:r>
             <a:br>
               <a:rPr lang="en-US" altLang="ko-KR" sz="1400" dirty="0" smtClean="0"/>
@@ -11626,15 +11552,7 @@
             </a:r>
             <a:r>
               <a:rPr lang="en-US" altLang="ko-KR" sz="1400" dirty="0" smtClean="0"/>
-              <a:t>Performance, High </a:t>
-            </a:r>
-            <a:r>
-              <a:rPr lang="en-US" altLang="ko-KR" sz="1400" dirty="0" smtClean="0"/>
-              <a:t>Entertainment</a:t>
-            </a:r>
-            <a:r>
-              <a:rPr lang="en-US" altLang="ko-KR" sz="1400" dirty="0" smtClean="0"/>
-              <a:t/>
+              <a:t>Performance, High Entertainment</a:t>
             </a:r>
             <a:br>
               <a:rPr lang="en-US" altLang="ko-KR" sz="1400" dirty="0" smtClean="0"/>
@@ -11698,11 +11616,7 @@
             </a:r>
             <a:r>
               <a:rPr lang="en-US" altLang="ko-KR" sz="1400" dirty="0" smtClean="0"/>
-              <a:t>: </a:t>
-            </a:r>
-            <a:r>
-              <a:rPr lang="en-US" altLang="ko-KR" sz="1400" dirty="0" smtClean="0"/>
-              <a:t>High Performance, Low Entertainment</a:t>
+              <a:t>: High Performance, Low Entertainment</a:t>
             </a:r>
           </a:p>
           <a:p>
@@ -11749,11 +11663,7 @@
             </a:r>
             <a:r>
               <a:rPr lang="en-US" altLang="ko-KR" sz="1400" dirty="0" smtClean="0"/>
-              <a:t>: </a:t>
-            </a:r>
-            <a:r>
-              <a:rPr lang="en-US" altLang="ko-KR" sz="1400" dirty="0" smtClean="0"/>
-              <a:t>High Performance, High Entertainment</a:t>
+              <a:t>: High Performance, High Entertainment</a:t>
             </a:r>
           </a:p>
           <a:p>
@@ -11931,7 +11841,7 @@
           <p:cNvPr id="20" name="직사각형 19">
             <a:extLst>
               <a:ext uri="{FF2B5EF4-FFF2-40B4-BE49-F238E27FC236}">
-                <a16:creationId xmlns:a16="http://schemas.microsoft.com/office/drawing/2014/main" id="{3FA00699-5178-465A-9F3F-130CF1431F70}"/>
+                <a16:creationId xmlns:a16="http://schemas.microsoft.com/office/drawing/2014/main" xmlns="" id="{3FA00699-5178-465A-9F3F-130CF1431F70}"/>
               </a:ext>
             </a:extLst>
           </p:cNvPr>
@@ -12212,7 +12122,7 @@
           <p:cNvPr id="28" name="직사각형 27">
             <a:extLst>
               <a:ext uri="{FF2B5EF4-FFF2-40B4-BE49-F238E27FC236}">
-                <a16:creationId xmlns:a16="http://schemas.microsoft.com/office/drawing/2014/main" id="{3FA00699-5178-465A-9F3F-130CF1431F70}"/>
+                <a16:creationId xmlns:a16="http://schemas.microsoft.com/office/drawing/2014/main" xmlns="" id="{3FA00699-5178-465A-9F3F-130CF1431F70}"/>
               </a:ext>
             </a:extLst>
           </p:cNvPr>
@@ -12643,7 +12553,7 @@
   <a:extraClrSchemeLst/>
   <a:extLst>
     <a:ext uri="{05A4C25C-085E-4340-85A3-A5531E510DB2}">
-      <thm15:themeFamily xmlns:thm15="http://schemas.microsoft.com/office/thememl/2012/main" name="Office Theme" id="{62F939B6-93AF-4DB8-9C6B-D6C7DFDC589F}" vid="{4A3C46E8-61CC-4603-A589-7422A47A8E4A}"/>
+      <thm15:themeFamily xmlns:thm15="http://schemas.microsoft.com/office/thememl/2012/main" xmlns="" name="Office Theme" id="{62F939B6-93AF-4DB8-9C6B-D6C7DFDC589F}" vid="{4A3C46E8-61CC-4603-A589-7422A47A8E4A}"/>
     </a:ext>
   </a:extLst>
 </a:theme>
@@ -12904,7 +12814,7 @@
   <a:extraClrSchemeLst/>
   <a:extLst>
     <a:ext uri="{05A4C25C-085E-4340-85A3-A5531E510DB2}">
-      <thm15:themeFamily xmlns:thm15="http://schemas.microsoft.com/office/thememl/2012/main" name="Office Theme" id="{62F939B6-93AF-4DB8-9C6B-D6C7DFDC589F}" vid="{4A3C46E8-61CC-4603-A589-7422A47A8E4A}"/>
+      <thm15:themeFamily xmlns:thm15="http://schemas.microsoft.com/office/thememl/2012/main" xmlns="" name="Office Theme" id="{62F939B6-93AF-4DB8-9C6B-D6C7DFDC589F}" vid="{4A3C46E8-61CC-4603-A589-7422A47A8E4A}"/>
     </a:ext>
   </a:extLst>
 </a:theme>
